--- a/ElmLightningTalk.pptx
+++ b/ElmLightningTalk.pptx
@@ -808,7 +808,7 @@
           </a:ln>
           <a:extLst>
             <a:ext uri="{C572A759-6A51-4108-AA02-DFA0A04FC94B}">
-              <ma14:wrappingTextBoxFlag xmlns="" xmlns:ma14="http://schemas.microsoft.com/office/mac/drawingml/2011/main" val="1"/>
+              <ma14:wrappingTextBoxFlag xmlns:ma14="http://schemas.microsoft.com/office/mac/drawingml/2011/main" xmlns="" val="1"/>
             </a:ext>
           </a:extLst>
         </p:spPr>
@@ -1213,7 +1213,7 @@
           </a:ln>
           <a:extLst>
             <a:ext uri="{C572A759-6A51-4108-AA02-DFA0A04FC94B}">
-              <ma14:wrappingTextBoxFlag xmlns="" xmlns:ma14="http://schemas.microsoft.com/office/mac/drawingml/2011/main" val="1"/>
+              <ma14:wrappingTextBoxFlag xmlns:ma14="http://schemas.microsoft.com/office/mac/drawingml/2011/main" xmlns="" val="1"/>
             </a:ext>
           </a:extLst>
         </p:spPr>
@@ -1641,7 +1641,7 @@
           </a:ln>
           <a:extLst>
             <a:ext uri="{C572A759-6A51-4108-AA02-DFA0A04FC94B}">
-              <ma14:wrappingTextBoxFlag xmlns="" xmlns:ma14="http://schemas.microsoft.com/office/mac/drawingml/2011/main" val="1"/>
+              <ma14:wrappingTextBoxFlag xmlns:ma14="http://schemas.microsoft.com/office/mac/drawingml/2011/main" xmlns="" val="1"/>
             </a:ext>
           </a:extLst>
         </p:spPr>
@@ -3750,7 +3750,7 @@
           </a:ln>
           <a:extLst>
             <a:ext uri="{C572A759-6A51-4108-AA02-DFA0A04FC94B}">
-              <ma14:wrappingTextBoxFlag xmlns="" xmlns:ma14="http://schemas.microsoft.com/office/mac/drawingml/2011/main" val="1"/>
+              <ma14:wrappingTextBoxFlag xmlns:ma14="http://schemas.microsoft.com/office/mac/drawingml/2011/main" xmlns="" val="1"/>
             </a:ext>
           </a:extLst>
         </p:spPr>
@@ -4186,7 +4186,7 @@
           </a:ln>
           <a:extLst>
             <a:ext uri="{C572A759-6A51-4108-AA02-DFA0A04FC94B}">
-              <ma14:wrappingTextBoxFlag xmlns="" xmlns:ma14="http://schemas.microsoft.com/office/mac/drawingml/2011/main" val="1"/>
+              <ma14:wrappingTextBoxFlag xmlns:ma14="http://schemas.microsoft.com/office/mac/drawingml/2011/main" xmlns="" val="1"/>
             </a:ext>
           </a:extLst>
         </p:spPr>
@@ -4240,7 +4240,7 @@
           </a:ln>
           <a:extLst>
             <a:ext uri="{C572A759-6A51-4108-AA02-DFA0A04FC94B}">
-              <ma14:wrappingTextBoxFlag xmlns="" xmlns:ma14="http://schemas.microsoft.com/office/mac/drawingml/2011/main" val="1"/>
+              <ma14:wrappingTextBoxFlag xmlns:ma14="http://schemas.microsoft.com/office/mac/drawingml/2011/main" xmlns="" val="1"/>
             </a:ext>
           </a:extLst>
         </p:spPr>
@@ -4279,7 +4279,7 @@
           </a:ln>
           <a:extLst>
             <a:ext uri="{C572A759-6A51-4108-AA02-DFA0A04FC94B}">
-              <ma14:wrappingTextBoxFlag xmlns="" xmlns:ma14="http://schemas.microsoft.com/office/mac/drawingml/2011/main" val="1"/>
+              <ma14:wrappingTextBoxFlag xmlns:ma14="http://schemas.microsoft.com/office/mac/drawingml/2011/main" xmlns="" val="1"/>
             </a:ext>
           </a:extLst>
         </p:spPr>
@@ -7238,8 +7238,8 @@
         </p:nvSpPr>
         <p:spPr>
           <a:xfrm>
-            <a:off x="457200" y="1778365"/>
-            <a:ext cx="6490415" cy="2944392"/>
+            <a:off x="457200" y="1610057"/>
+            <a:ext cx="6490415" cy="3272687"/>
           </a:xfrm>
           <a:prstGeom prst="rect">
             <a:avLst/>
@@ -7335,6 +7335,23 @@
             <a:r>
               <a:rPr lang="de-DE" dirty="0"/>
               <a:t>Keine Unterstützung für serverseitige Programmierung</a:t>
+            </a:r>
+          </a:p>
+          <a:p>
+            <a:pPr marL="285750" lvl="0" indent="-285750" hangingPunct="1">
+              <a:spcBef>
+                <a:spcPts val="400"/>
+              </a:spcBef>
+              <a:buClr>
+                <a:srgbClr val="51A025"/>
+              </a:buClr>
+              <a:buSzPct val="100000"/>
+              <a:buFont typeface="Arial"/>
+              <a:buChar char="•"/>
+            </a:pPr>
+            <a:r>
+              <a:rPr lang="de-DE" dirty="0"/>
+              <a:t>Keine Unterstützung für SSR und Code Splitting</a:t>
             </a:r>
           </a:p>
           <a:p>
@@ -7513,7 +7530,7 @@
           </a:prstGeom>
           <a:extLst>
             <a:ext uri="{C572A759-6A51-4108-AA02-DFA0A04FC94B}">
-              <ma14:wrappingTextBoxFlag xmlns="" xmlns:ma14="http://schemas.microsoft.com/office/mac/drawingml/2011/main" val="1"/>
+              <ma14:wrappingTextBoxFlag xmlns:ma14="http://schemas.microsoft.com/office/mac/drawingml/2011/main" xmlns="" val="1"/>
             </a:ext>
           </a:extLst>
         </p:spPr>
@@ -7643,7 +7660,7 @@
           </a:prstGeom>
           <a:extLst>
             <a:ext uri="{C572A759-6A51-4108-AA02-DFA0A04FC94B}">
-              <ma14:wrappingTextBoxFlag xmlns="" xmlns:ma14="http://schemas.microsoft.com/office/mac/drawingml/2011/main" val="1"/>
+              <ma14:wrappingTextBoxFlag xmlns:ma14="http://schemas.microsoft.com/office/mac/drawingml/2011/main" xmlns="" val="1"/>
             </a:ext>
           </a:extLst>
         </p:spPr>
